--- a/Netezza to SQLDW Tool/Netezza to SQLDW Tool/diagram.pptx
+++ b/Netezza to SQLDW Tool/Netezza to SQLDW Tool/diagram.pptx
@@ -2,10 +2,10 @@
 <file path=ppt/presentation.xml><?xml version="1.0" encoding="utf-8"?>
 <p:presentation xmlns:a="http://schemas.openxmlformats.org/drawingml/2006/main" xmlns:r="http://schemas.openxmlformats.org/officeDocument/2006/relationships" xmlns:p="http://schemas.openxmlformats.org/presentationml/2006/main" saveSubsetFonts="1">
   <p:sldMasterIdLst>
-    <p:sldMasterId id="2147483660" r:id="rId1"/>
+    <p:sldMasterId id="2147483660" r:id="rId4"/>
   </p:sldMasterIdLst>
   <p:sldIdLst>
-    <p:sldId id="257" r:id="rId2"/>
+    <p:sldId id="257" r:id="rId5"/>
   </p:sldIdLst>
   <p:sldSz cx="12192000" cy="6858000"/>
   <p:notesSz cx="6858000" cy="9144000"/>
@@ -104,11 +104,12 @@
       </a:defRPr>
     </a:lvl9pPr>
   </p:defaultTextStyle>
+  <p:extLst>
+    <p:ext uri="{EFAFB233-063F-42B5-8137-9DF3F51BA10A}">
+      <p15:sldGuideLst xmlns:p15="http://schemas.microsoft.com/office/powerpoint/2012/main"/>
+    </p:ext>
+  </p:extLst>
 </p:presentation>
-</file>
-
-<file path=ppt/revisionInfo.xml><?xml version="1.0" encoding="utf-8"?>
-<p1510:revInfo xmlns:a="http://schemas.openxmlformats.org/drawingml/2006/main" xmlns:r="http://schemas.openxmlformats.org/officeDocument/2006/relationships" xmlns:p1510="http://schemas.microsoft.com/office/powerpoint/2015/10/main"/>
 </file>
 
 <file path=ppt/slideLayouts/slideLayout1.xml><?xml version="1.0" encoding="utf-8"?>
@@ -240,7 +241,7 @@
           <a:p>
             <a:fld id="{071E3F13-2DB3-405F-9293-2FD3D3D8001C}" type="datetimeFigureOut">
               <a:rPr lang="en-US" smtClean="0"/>
-              <a:t>5/4/2017</a:t>
+              <a:t>1/17/2020</a:t>
             </a:fld>
             <a:endParaRPr lang="en-US"/>
           </a:p>
@@ -413,7 +414,7 @@
           <a:p>
             <a:fld id="{071E3F13-2DB3-405F-9293-2FD3D3D8001C}" type="datetimeFigureOut">
               <a:rPr lang="en-US" smtClean="0"/>
-              <a:t>5/4/2017</a:t>
+              <a:t>1/17/2020</a:t>
             </a:fld>
             <a:endParaRPr lang="en-US"/>
           </a:p>
@@ -591,7 +592,7 @@
           <a:p>
             <a:fld id="{071E3F13-2DB3-405F-9293-2FD3D3D8001C}" type="datetimeFigureOut">
               <a:rPr lang="en-US" smtClean="0"/>
-              <a:t>5/4/2017</a:t>
+              <a:t>1/17/2020</a:t>
             </a:fld>
             <a:endParaRPr lang="en-US"/>
           </a:p>
@@ -5587,7 +5588,7 @@
           <a:p>
             <a:fld id="{071E3F13-2DB3-405F-9293-2FD3D3D8001C}" type="datetimeFigureOut">
               <a:rPr lang="en-US" smtClean="0"/>
-              <a:t>5/4/2017</a:t>
+              <a:t>1/17/2020</a:t>
             </a:fld>
             <a:endParaRPr lang="en-US"/>
           </a:p>
@@ -5832,7 +5833,7 @@
           <a:p>
             <a:fld id="{071E3F13-2DB3-405F-9293-2FD3D3D8001C}" type="datetimeFigureOut">
               <a:rPr lang="en-US" smtClean="0"/>
-              <a:t>5/4/2017</a:t>
+              <a:t>1/17/2020</a:t>
             </a:fld>
             <a:endParaRPr lang="en-US"/>
           </a:p>
@@ -6061,7 +6062,7 @@
           <a:p>
             <a:fld id="{071E3F13-2DB3-405F-9293-2FD3D3D8001C}" type="datetimeFigureOut">
               <a:rPr lang="en-US" smtClean="0"/>
-              <a:t>5/4/2017</a:t>
+              <a:t>1/17/2020</a:t>
             </a:fld>
             <a:endParaRPr lang="en-US"/>
           </a:p>
@@ -6425,7 +6426,7 @@
           <a:p>
             <a:fld id="{071E3F13-2DB3-405F-9293-2FD3D3D8001C}" type="datetimeFigureOut">
               <a:rPr lang="en-US" smtClean="0"/>
-              <a:t>5/4/2017</a:t>
+              <a:t>1/17/2020</a:t>
             </a:fld>
             <a:endParaRPr lang="en-US"/>
           </a:p>
@@ -6542,7 +6543,7 @@
           <a:p>
             <a:fld id="{071E3F13-2DB3-405F-9293-2FD3D3D8001C}" type="datetimeFigureOut">
               <a:rPr lang="en-US" smtClean="0"/>
-              <a:t>5/4/2017</a:t>
+              <a:t>1/17/2020</a:t>
             </a:fld>
             <a:endParaRPr lang="en-US"/>
           </a:p>
@@ -6637,7 +6638,7 @@
           <a:p>
             <a:fld id="{071E3F13-2DB3-405F-9293-2FD3D3D8001C}" type="datetimeFigureOut">
               <a:rPr lang="en-US" smtClean="0"/>
-              <a:t>5/4/2017</a:t>
+              <a:t>1/17/2020</a:t>
             </a:fld>
             <a:endParaRPr lang="en-US"/>
           </a:p>
@@ -6912,7 +6913,7 @@
           <a:p>
             <a:fld id="{071E3F13-2DB3-405F-9293-2FD3D3D8001C}" type="datetimeFigureOut">
               <a:rPr lang="en-US" smtClean="0"/>
-              <a:t>5/4/2017</a:t>
+              <a:t>1/17/2020</a:t>
             </a:fld>
             <a:endParaRPr lang="en-US"/>
           </a:p>
@@ -7164,7 +7165,7 @@
           <a:p>
             <a:fld id="{071E3F13-2DB3-405F-9293-2FD3D3D8001C}" type="datetimeFigureOut">
               <a:rPr lang="en-US" smtClean="0"/>
-              <a:t>5/4/2017</a:t>
+              <a:t>1/17/2020</a:t>
             </a:fld>
             <a:endParaRPr lang="en-US"/>
           </a:p>
@@ -7375,7 +7376,7 @@
           <a:p>
             <a:fld id="{071E3F13-2DB3-405F-9293-2FD3D3D8001C}" type="datetimeFigureOut">
               <a:rPr lang="en-US" smtClean="0"/>
-              <a:t>5/4/2017</a:t>
+              <a:t>1/17/2020</a:t>
             </a:fld>
             <a:endParaRPr lang="en-US"/>
           </a:p>
@@ -7978,7 +7979,6 @@
             <a:prstDash val="solid"/>
           </a:ln>
           <a:effectLst/>
-          <a:extLst/>
         </p:spPr>
         <p:style>
           <a:lnRef idx="2">
@@ -9330,6 +9330,41 @@
                 <a:cs typeface="+mn-cs"/>
               </a:rPr>
               <a:t>Converted DDL/Load Routine</a:t>
+            </a:r>
+          </a:p>
+        </p:txBody>
+      </p:sp>
+      <p:sp>
+        <p:nvSpPr>
+          <p:cNvPr id="2" name="TextBox 1">
+            <a:extLst>
+              <a:ext uri="{FF2B5EF4-FFF2-40B4-BE49-F238E27FC236}">
+                <a16:creationId xmlns:a16="http://schemas.microsoft.com/office/drawing/2014/main" id="{D32F51E8-246C-4F1D-86CA-131181D62D51}"/>
+              </a:ext>
+            </a:extLst>
+          </p:cNvPr>
+          <p:cNvSpPr txBox="1"/>
+          <p:nvPr/>
+        </p:nvSpPr>
+        <p:spPr>
+          <a:xfrm>
+            <a:off x="8752742" y="6518823"/>
+            <a:ext cx="4563208" cy="307777"/>
+          </a:xfrm>
+          <a:prstGeom prst="rect">
+            <a:avLst/>
+          </a:prstGeom>
+          <a:noFill/>
+        </p:spPr>
+        <p:txBody>
+          <a:bodyPr wrap="square" rtlCol="0">
+            <a:spAutoFit/>
+          </a:bodyPr>
+          <a:lstStyle/>
+          <a:p>
+            <a:r>
+              <a:rPr lang="en-US" sz="1400" dirty="0"/>
+              <a:t>Data Migration Jumpstart Engineering Team</a:t>
             </a:r>
           </a:p>
         </p:txBody>
@@ -9661,6 +9696,21 @@
 </file>
 
 <file path=customXml/item1.xml><?xml version="1.0" encoding="utf-8"?>
+<p:properties xmlns:p="http://schemas.microsoft.com/office/2006/metadata/properties" xmlns:xsi="http://www.w3.org/2001/XMLSchema-instance" xmlns:pc="http://schemas.microsoft.com/office/infopath/2007/PartnerControls">
+  <documentManagement/>
+</p:properties>
+</file>
+
+<file path=customXml/item2.xml><?xml version="1.0" encoding="utf-8"?>
+<?mso-contentType ?>
+<FormTemplates xmlns="http://schemas.microsoft.com/sharepoint/v3/contenttype/forms">
+  <Display>DocumentLibraryForm</Display>
+  <Edit>DocumentLibraryForm</Edit>
+  <New>DocumentLibraryForm</New>
+</FormTemplates>
+</file>
+
+<file path=customXml/item3.xml><?xml version="1.0" encoding="utf-8"?>
 <ct:contentTypeSchema xmlns:ct="http://schemas.microsoft.com/office/2006/metadata/contentType" xmlns:ma="http://schemas.microsoft.com/office/2006/metadata/properties/metaAttributes" ct:_="" ma:_="" ma:contentTypeName="Document" ma:contentTypeID="0x0101001663038BF9716642BCA9BEDEEEE991E8" ma:contentTypeVersion="6" ma:contentTypeDescription="Create a new document." ma:contentTypeScope="" ma:versionID="037a4a868adf4a06b37c3eabca9a8e28">
   <xsd:schema xmlns:xsd="http://www.w3.org/2001/XMLSchema" xmlns:xs="http://www.w3.org/2001/XMLSchema" xmlns:p="http://schemas.microsoft.com/office/2006/metadata/properties" xmlns:ns2="4053a332-7d8e-488d-aba6-ad6dfa6b0f2d" xmlns:ns3="6e4f6676-91ee-47a5-8164-c59c33586ba7" targetNamespace="http://schemas.microsoft.com/office/2006/metadata/properties" ma:root="true" ma:fieldsID="2089f6b2e85e90b2e677d9898bf0ccee" ns2:_="" ns3:_="">
     <xsd:import namespace="4053a332-7d8e-488d-aba6-ad6dfa6b0f2d"/>
@@ -9839,29 +9889,38 @@
 </ct:contentTypeSchema>
 </file>
 
-<file path=customXml/item2.xml><?xml version="1.0" encoding="utf-8"?>
-<?mso-contentType ?>
-<FormTemplates xmlns="http://schemas.microsoft.com/sharepoint/v3/contenttype/forms">
-  <Display>DocumentLibraryForm</Display>
-  <Edit>DocumentLibraryForm</Edit>
-  <New>DocumentLibraryForm</New>
-</FormTemplates>
-</file>
-
-<file path=customXml/item3.xml><?xml version="1.0" encoding="utf-8"?>
-<p:properties xmlns:p="http://schemas.microsoft.com/office/2006/metadata/properties" xmlns:xsi="http://www.w3.org/2001/XMLSchema-instance" xmlns:pc="http://schemas.microsoft.com/office/infopath/2007/PartnerControls">
-  <documentManagement/>
-</p:properties>
-</file>
-
 <file path=customXml/itemProps1.xml><?xml version="1.0" encoding="utf-8"?>
-<ds:datastoreItem xmlns:ds="http://schemas.openxmlformats.org/officeDocument/2006/customXml" ds:itemID="{24DDB6FA-32B1-4A80-8763-71A481CD2EE1}"/>
+<ds:datastoreItem xmlns:ds="http://schemas.openxmlformats.org/officeDocument/2006/customXml" ds:itemID="{4DB09FA8-18A6-4F1B-931D-C74A4ED76081}">
+  <ds:schemaRefs>
+    <ds:schemaRef ds:uri="http://schemas.microsoft.com/office/2006/metadata/properties"/>
+    <ds:schemaRef ds:uri="http://schemas.microsoft.com/office/infopath/2007/PartnerControls"/>
+  </ds:schemaRefs>
+</ds:datastoreItem>
 </file>
 
 <file path=customXml/itemProps2.xml><?xml version="1.0" encoding="utf-8"?>
-<ds:datastoreItem xmlns:ds="http://schemas.openxmlformats.org/officeDocument/2006/customXml" ds:itemID="{607D750A-C2FA-4F3E-90F7-3E055571D96F}"/>
+<ds:datastoreItem xmlns:ds="http://schemas.openxmlformats.org/officeDocument/2006/customXml" ds:itemID="{607D750A-C2FA-4F3E-90F7-3E055571D96F}">
+  <ds:schemaRefs>
+    <ds:schemaRef ds:uri="http://schemas.microsoft.com/sharepoint/v3/contenttype/forms"/>
+  </ds:schemaRefs>
+</ds:datastoreItem>
 </file>
 
 <file path=customXml/itemProps3.xml><?xml version="1.0" encoding="utf-8"?>
-<ds:datastoreItem xmlns:ds="http://schemas.openxmlformats.org/officeDocument/2006/customXml" ds:itemID="{4DB09FA8-18A6-4F1B-931D-C74A4ED76081}"/>
+<ds:datastoreItem xmlns:ds="http://schemas.openxmlformats.org/officeDocument/2006/customXml" ds:itemID="{24DDB6FA-32B1-4A80-8763-71A481CD2EE1}">
+  <ds:schemaRefs>
+    <ds:schemaRef ds:uri="http://schemas.microsoft.com/office/2006/metadata/contentType"/>
+    <ds:schemaRef ds:uri="http://schemas.microsoft.com/office/2006/metadata/properties/metaAttributes"/>
+    <ds:schemaRef ds:uri="http://www.w3.org/2001/XMLSchema"/>
+    <ds:schemaRef ds:uri="http://schemas.microsoft.com/office/2006/metadata/properties"/>
+    <ds:schemaRef ds:uri="4053a332-7d8e-488d-aba6-ad6dfa6b0f2d"/>
+    <ds:schemaRef ds:uri="6e4f6676-91ee-47a5-8164-c59c33586ba7"/>
+    <ds:schemaRef ds:uri="http://schemas.microsoft.com/office/2006/documentManagement/types"/>
+    <ds:schemaRef ds:uri="http://schemas.microsoft.com/office/infopath/2007/PartnerControls"/>
+    <ds:schemaRef ds:uri="http://schemas.openxmlformats.org/package/2006/metadata/core-properties"/>
+    <ds:schemaRef ds:uri="http://purl.org/dc/elements/1.1/"/>
+    <ds:schemaRef ds:uri="http://purl.org/dc/terms/"/>
+    <ds:schemaRef ds:uri="http://schemas.microsoft.com/internal/obd"/>
+  </ds:schemaRefs>
+</ds:datastoreItem>
 </file>
--- a/Netezza to SQLDW Tool/Netezza to SQLDW Tool/diagram.pptx
+++ b/Netezza to SQLDW Tool/Netezza to SQLDW Tool/diagram.pptx
@@ -241,7 +241,7 @@
           <a:p>
             <a:fld id="{071E3F13-2DB3-405F-9293-2FD3D3D8001C}" type="datetimeFigureOut">
               <a:rPr lang="en-US" smtClean="0"/>
-              <a:t>1/17/2020</a:t>
+              <a:t>10/1/2020</a:t>
             </a:fld>
             <a:endParaRPr lang="en-US"/>
           </a:p>
@@ -414,7 +414,7 @@
           <a:p>
             <a:fld id="{071E3F13-2DB3-405F-9293-2FD3D3D8001C}" type="datetimeFigureOut">
               <a:rPr lang="en-US" smtClean="0"/>
-              <a:t>1/17/2020</a:t>
+              <a:t>10/1/2020</a:t>
             </a:fld>
             <a:endParaRPr lang="en-US"/>
           </a:p>
@@ -592,7 +592,7 @@
           <a:p>
             <a:fld id="{071E3F13-2DB3-405F-9293-2FD3D3D8001C}" type="datetimeFigureOut">
               <a:rPr lang="en-US" smtClean="0"/>
-              <a:t>1/17/2020</a:t>
+              <a:t>10/1/2020</a:t>
             </a:fld>
             <a:endParaRPr lang="en-US"/>
           </a:p>
@@ -5588,7 +5588,7 @@
           <a:p>
             <a:fld id="{071E3F13-2DB3-405F-9293-2FD3D3D8001C}" type="datetimeFigureOut">
               <a:rPr lang="en-US" smtClean="0"/>
-              <a:t>1/17/2020</a:t>
+              <a:t>10/1/2020</a:t>
             </a:fld>
             <a:endParaRPr lang="en-US"/>
           </a:p>
@@ -5833,7 +5833,7 @@
           <a:p>
             <a:fld id="{071E3F13-2DB3-405F-9293-2FD3D3D8001C}" type="datetimeFigureOut">
               <a:rPr lang="en-US" smtClean="0"/>
-              <a:t>1/17/2020</a:t>
+              <a:t>10/1/2020</a:t>
             </a:fld>
             <a:endParaRPr lang="en-US"/>
           </a:p>
@@ -6062,7 +6062,7 @@
           <a:p>
             <a:fld id="{071E3F13-2DB3-405F-9293-2FD3D3D8001C}" type="datetimeFigureOut">
               <a:rPr lang="en-US" smtClean="0"/>
-              <a:t>1/17/2020</a:t>
+              <a:t>10/1/2020</a:t>
             </a:fld>
             <a:endParaRPr lang="en-US"/>
           </a:p>
@@ -6426,7 +6426,7 @@
           <a:p>
             <a:fld id="{071E3F13-2DB3-405F-9293-2FD3D3D8001C}" type="datetimeFigureOut">
               <a:rPr lang="en-US" smtClean="0"/>
-              <a:t>1/17/2020</a:t>
+              <a:t>10/1/2020</a:t>
             </a:fld>
             <a:endParaRPr lang="en-US"/>
           </a:p>
@@ -6543,7 +6543,7 @@
           <a:p>
             <a:fld id="{071E3F13-2DB3-405F-9293-2FD3D3D8001C}" type="datetimeFigureOut">
               <a:rPr lang="en-US" smtClean="0"/>
-              <a:t>1/17/2020</a:t>
+              <a:t>10/1/2020</a:t>
             </a:fld>
             <a:endParaRPr lang="en-US"/>
           </a:p>
@@ -6638,7 +6638,7 @@
           <a:p>
             <a:fld id="{071E3F13-2DB3-405F-9293-2FD3D3D8001C}" type="datetimeFigureOut">
               <a:rPr lang="en-US" smtClean="0"/>
-              <a:t>1/17/2020</a:t>
+              <a:t>10/1/2020</a:t>
             </a:fld>
             <a:endParaRPr lang="en-US"/>
           </a:p>
@@ -6913,7 +6913,7 @@
           <a:p>
             <a:fld id="{071E3F13-2DB3-405F-9293-2FD3D3D8001C}" type="datetimeFigureOut">
               <a:rPr lang="en-US" smtClean="0"/>
-              <a:t>1/17/2020</a:t>
+              <a:t>10/1/2020</a:t>
             </a:fld>
             <a:endParaRPr lang="en-US"/>
           </a:p>
@@ -7165,7 +7165,7 @@
           <a:p>
             <a:fld id="{071E3F13-2DB3-405F-9293-2FD3D3D8001C}" type="datetimeFigureOut">
               <a:rPr lang="en-US" smtClean="0"/>
-              <a:t>1/17/2020</a:t>
+              <a:t>10/1/2020</a:t>
             </a:fld>
             <a:endParaRPr lang="en-US"/>
           </a:p>
@@ -7376,7 +7376,7 @@
           <a:p>
             <a:fld id="{071E3F13-2DB3-405F-9293-2FD3D3D8001C}" type="datetimeFigureOut">
               <a:rPr lang="en-US" smtClean="0"/>
-              <a:t>1/17/2020</a:t>
+              <a:t>10/1/2020</a:t>
             </a:fld>
             <a:endParaRPr lang="en-US"/>
           </a:p>
@@ -9364,7 +9364,15 @@
           <a:p>
             <a:r>
               <a:rPr lang="en-US" sz="1400" dirty="0"/>
-              <a:t>Data Migration Jumpstart Engineering Team</a:t>
+              <a:t>Data </a:t>
+            </a:r>
+            <a:r>
+              <a:rPr lang="en-US" sz="1400"/>
+              <a:t>SQL Ninja Engineering </a:t>
+            </a:r>
+            <a:r>
+              <a:rPr lang="en-US" sz="1400" dirty="0"/>
+              <a:t>Team</a:t>
             </a:r>
           </a:p>
         </p:txBody>
@@ -9696,21 +9704,6 @@
 </file>
 
 <file path=customXml/item1.xml><?xml version="1.0" encoding="utf-8"?>
-<p:properties xmlns:p="http://schemas.microsoft.com/office/2006/metadata/properties" xmlns:xsi="http://www.w3.org/2001/XMLSchema-instance" xmlns:pc="http://schemas.microsoft.com/office/infopath/2007/PartnerControls">
-  <documentManagement/>
-</p:properties>
-</file>
-
-<file path=customXml/item2.xml><?xml version="1.0" encoding="utf-8"?>
-<?mso-contentType ?>
-<FormTemplates xmlns="http://schemas.microsoft.com/sharepoint/v3/contenttype/forms">
-  <Display>DocumentLibraryForm</Display>
-  <Edit>DocumentLibraryForm</Edit>
-  <New>DocumentLibraryForm</New>
-</FormTemplates>
-</file>
-
-<file path=customXml/item3.xml><?xml version="1.0" encoding="utf-8"?>
 <ct:contentTypeSchema xmlns:ct="http://schemas.microsoft.com/office/2006/metadata/contentType" xmlns:ma="http://schemas.microsoft.com/office/2006/metadata/properties/metaAttributes" ct:_="" ma:_="" ma:contentTypeName="Document" ma:contentTypeID="0x0101001663038BF9716642BCA9BEDEEEE991E8" ma:contentTypeVersion="6" ma:contentTypeDescription="Create a new document." ma:contentTypeScope="" ma:versionID="037a4a868adf4a06b37c3eabca9a8e28">
   <xsd:schema xmlns:xsd="http://www.w3.org/2001/XMLSchema" xmlns:xs="http://www.w3.org/2001/XMLSchema" xmlns:p="http://schemas.microsoft.com/office/2006/metadata/properties" xmlns:ns2="4053a332-7d8e-488d-aba6-ad6dfa6b0f2d" xmlns:ns3="6e4f6676-91ee-47a5-8164-c59c33586ba7" targetNamespace="http://schemas.microsoft.com/office/2006/metadata/properties" ma:root="true" ma:fieldsID="2089f6b2e85e90b2e677d9898bf0ccee" ns2:_="" ns3:_="">
     <xsd:import namespace="4053a332-7d8e-488d-aba6-ad6dfa6b0f2d"/>
@@ -9889,24 +9882,22 @@
 </ct:contentTypeSchema>
 </file>
 
-<file path=customXml/itemProps1.xml><?xml version="1.0" encoding="utf-8"?>
-<ds:datastoreItem xmlns:ds="http://schemas.openxmlformats.org/officeDocument/2006/customXml" ds:itemID="{4DB09FA8-18A6-4F1B-931D-C74A4ED76081}">
-  <ds:schemaRefs>
-    <ds:schemaRef ds:uri="http://schemas.microsoft.com/office/2006/metadata/properties"/>
-    <ds:schemaRef ds:uri="http://schemas.microsoft.com/office/infopath/2007/PartnerControls"/>
-  </ds:schemaRefs>
-</ds:datastoreItem>
+<file path=customXml/item2.xml><?xml version="1.0" encoding="utf-8"?>
+<?mso-contentType ?>
+<FormTemplates xmlns="http://schemas.microsoft.com/sharepoint/v3/contenttype/forms">
+  <Display>DocumentLibraryForm</Display>
+  <Edit>DocumentLibraryForm</Edit>
+  <New>DocumentLibraryForm</New>
+</FormTemplates>
 </file>
 
-<file path=customXml/itemProps2.xml><?xml version="1.0" encoding="utf-8"?>
-<ds:datastoreItem xmlns:ds="http://schemas.openxmlformats.org/officeDocument/2006/customXml" ds:itemID="{607D750A-C2FA-4F3E-90F7-3E055571D96F}">
-  <ds:schemaRefs>
-    <ds:schemaRef ds:uri="http://schemas.microsoft.com/sharepoint/v3/contenttype/forms"/>
-  </ds:schemaRefs>
-</ds:datastoreItem>
+<file path=customXml/item3.xml><?xml version="1.0" encoding="utf-8"?>
+<p:properties xmlns:p="http://schemas.microsoft.com/office/2006/metadata/properties" xmlns:xsi="http://www.w3.org/2001/XMLSchema-instance" xmlns:pc="http://schemas.microsoft.com/office/infopath/2007/PartnerControls">
+  <documentManagement/>
+</p:properties>
 </file>
 
-<file path=customXml/itemProps3.xml><?xml version="1.0" encoding="utf-8"?>
+<file path=customXml/itemProps1.xml><?xml version="1.0" encoding="utf-8"?>
 <ds:datastoreItem xmlns:ds="http://schemas.openxmlformats.org/officeDocument/2006/customXml" ds:itemID="{24DDB6FA-32B1-4A80-8763-71A481CD2EE1}">
   <ds:schemaRefs>
     <ds:schemaRef ds:uri="http://schemas.microsoft.com/office/2006/metadata/contentType"/>
@@ -9923,4 +9914,21 @@
     <ds:schemaRef ds:uri="http://schemas.microsoft.com/internal/obd"/>
   </ds:schemaRefs>
 </ds:datastoreItem>
+</file>
+
+<file path=customXml/itemProps2.xml><?xml version="1.0" encoding="utf-8"?>
+<ds:datastoreItem xmlns:ds="http://schemas.openxmlformats.org/officeDocument/2006/customXml" ds:itemID="{607D750A-C2FA-4F3E-90F7-3E055571D96F}">
+  <ds:schemaRefs>
+    <ds:schemaRef ds:uri="http://schemas.microsoft.com/sharepoint/v3/contenttype/forms"/>
+  </ds:schemaRefs>
+</ds:datastoreItem>
+</file>
+
+<file path=customXml/itemProps3.xml><?xml version="1.0" encoding="utf-8"?>
+<ds:datastoreItem xmlns:ds="http://schemas.openxmlformats.org/officeDocument/2006/customXml" ds:itemID="{4DB09FA8-18A6-4F1B-931D-C74A4ED76081}">
+  <ds:schemaRefs>
+    <ds:schemaRef ds:uri="http://schemas.microsoft.com/office/2006/metadata/properties"/>
+    <ds:schemaRef ds:uri="http://schemas.microsoft.com/office/infopath/2007/PartnerControls"/>
+  </ds:schemaRefs>
+</ds:datastoreItem>
 </file>